--- a/Pockets.pptx
+++ b/Pockets.pptx
@@ -8050,8 +8050,12 @@
           <a:lstStyle/>
           <a:p>
             <a:r>
+              <a:rPr lang="en-US"/>
+              <a:t>Why they </a:t>
+            </a:r>
+            <a:r>
               <a:rPr lang="en-US" dirty="0"/>
-              <a:t>Why thy don’t work!</a:t>
+              <a:t>don’t work!</a:t>
             </a:r>
           </a:p>
         </p:txBody>

--- a/Pockets.pptx
+++ b/Pockets.pptx
@@ -8050,12 +8050,8 @@
           <a:lstStyle/>
           <a:p>
             <a:r>
-              <a:rPr lang="en-US"/>
-              <a:t>Why they </a:t>
-            </a:r>
-            <a:r>
               <a:rPr lang="en-US" dirty="0"/>
-              <a:t>don’t work!</a:t>
+              <a:t>Why they don’t work!</a:t>
             </a:r>
           </a:p>
         </p:txBody>
